--- a/files/teaching-resources/monmouthcollege-econ-300/econ-300-lecture-note/ECON300-LEC18.pptx
+++ b/files/teaching-resources/monmouthcollege-econ-300/econ-300-lecture-note/ECON300-LEC18.pptx
@@ -235,7 +235,7 @@
           <a:p>
             <a:fld id="{0E0A6441-4E79-42FF-805B-86C90BDFD38D}" type="datetimeFigureOut">
               <a:rPr lang="en-US" smtClean="0"/>
-              <a:t>9/3/2024</a:t>
+              <a:t>11/17/2024</a:t>
             </a:fld>
             <a:endParaRPr lang="en-US" dirty="0"/>
           </a:p>
@@ -18577,8 +18577,8 @@
           </a:p>
         </p:txBody>
       </p:sp>
-      <mc:AlternateContent xmlns:mc="http://schemas.openxmlformats.org/markup-compatibility/2006" xmlns:a14="http://schemas.microsoft.com/office/drawing/2010/main">
-        <mc:Choice Requires="a14">
+      <mc:AlternateContent xmlns:mc="http://schemas.openxmlformats.org/markup-compatibility/2006">
+        <mc:Choice xmlns:a14="http://schemas.microsoft.com/office/drawing/2010/main" Requires="a14">
           <p:sp>
             <p:nvSpPr>
               <p:cNvPr id="3" name="Content Placeholder 2">
@@ -18690,7 +18690,25 @@
                       <a:rPr lang="en-US" i="1">
                         <a:latin typeface="Cambria Math" panose="02040503050406030204" pitchFamily="18" charset="0"/>
                       </a:rPr>
-                      <m:t>=50+</m:t>
+                      <m:t>=</m:t>
+                    </m:r>
+                    <m:r>
+                      <a:rPr lang="en-US" i="1">
+                        <a:latin typeface="Cambria Math" panose="02040503050406030204" pitchFamily="18" charset="0"/>
+                      </a:rPr>
+                      <m:t>50+30</m:t>
+                    </m:r>
+                    <m:r>
+                      <a:rPr lang="en-US" i="1">
+                        <a:latin typeface="Cambria Math" panose="02040503050406030204" pitchFamily="18" charset="0"/>
+                      </a:rPr>
+                      <m:t>𝐿</m:t>
+                    </m:r>
+                    <m:r>
+                      <a:rPr lang="en-US" i="1">
+                        <a:latin typeface="Cambria Math" panose="02040503050406030204" pitchFamily="18" charset="0"/>
+                      </a:rPr>
+                      <m:t>−</m:t>
                     </m:r>
                     <m:sSup>
                       <m:sSupPr>
@@ -19112,7 +19130,7 @@
             </p:txBody>
           </p:sp>
         </mc:Choice>
-        <mc:Fallback xmlns="">
+        <mc:Fallback>
           <p:sp>
             <p:nvSpPr>
               <p:cNvPr id="3" name="Content Placeholder 2">
@@ -19309,8 +19327,8 @@
           </a:p>
         </p:txBody>
       </p:sp>
-      <mc:AlternateContent xmlns:mc="http://schemas.openxmlformats.org/markup-compatibility/2006" xmlns:a14="http://schemas.microsoft.com/office/drawing/2010/main">
-        <mc:Choice Requires="a14">
+      <mc:AlternateContent xmlns:mc="http://schemas.openxmlformats.org/markup-compatibility/2006">
+        <mc:Choice xmlns:a14="http://schemas.microsoft.com/office/drawing/2010/main" Requires="a14">
           <p:sp>
             <p:nvSpPr>
               <p:cNvPr id="3" name="Content Placeholder 2">
@@ -19422,7 +19440,25 @@
                       <a:rPr lang="en-US" i="1">
                         <a:latin typeface="Cambria Math" panose="02040503050406030204" pitchFamily="18" charset="0"/>
                       </a:rPr>
-                      <m:t>=50+</m:t>
+                      <m:t>=</m:t>
+                    </m:r>
+                    <m:r>
+                      <a:rPr lang="en-US" i="1">
+                        <a:latin typeface="Cambria Math" panose="02040503050406030204" pitchFamily="18" charset="0"/>
+                      </a:rPr>
+                      <m:t>50+30</m:t>
+                    </m:r>
+                    <m:r>
+                      <a:rPr lang="en-US" i="1">
+                        <a:latin typeface="Cambria Math" panose="02040503050406030204" pitchFamily="18" charset="0"/>
+                      </a:rPr>
+                      <m:t>𝐿</m:t>
+                    </m:r>
+                    <m:r>
+                      <a:rPr lang="en-US" i="1">
+                        <a:latin typeface="Cambria Math" panose="02040503050406030204" pitchFamily="18" charset="0"/>
+                      </a:rPr>
+                      <m:t>−</m:t>
                     </m:r>
                     <m:sSup>
                       <m:sSupPr>
@@ -19679,7 +19715,7 @@
             </p:txBody>
           </p:sp>
         </mc:Choice>
-        <mc:Fallback xmlns="">
+        <mc:Fallback>
           <p:sp>
             <p:nvSpPr>
               <p:cNvPr id="3" name="Content Placeholder 2">
